--- a/assets/全基因组测序.pptx
+++ b/assets/全基因组测序.pptx
@@ -5,7 +5,7 @@
     <p:sldMasterId id="2147483690" r:id="rId1"/>
   </p:sldMasterIdLst>
   <p:notesMasterIdLst>
-    <p:notesMasterId r:id="rId11"/>
+    <p:notesMasterId r:id="rId10"/>
   </p:notesMasterIdLst>
   <p:sldIdLst>
     <p:sldId id="256" r:id="rId2"/>
@@ -16,7 +16,6 @@
     <p:sldId id="325" r:id="rId7"/>
     <p:sldId id="327" r:id="rId8"/>
     <p:sldId id="273" r:id="rId9"/>
-    <p:sldId id="326" r:id="rId10"/>
   </p:sldIdLst>
   <p:sldSz cx="12192000" cy="6858000"/>
   <p:notesSz cx="6858000" cy="9144000"/>
@@ -126,11 +125,7 @@
 <file path=ppt/commentAuthors.xml><?xml version="1.0" encoding="utf-8"?>
 <p:cmAuthorLst xmlns:a="http://schemas.openxmlformats.org/drawingml/2006/main" xmlns:r="http://schemas.openxmlformats.org/officeDocument/2006/relationships" xmlns:p="http://schemas.openxmlformats.org/presentationml/2006/main">
   <p:cmAuthor id="1" name="xxxy" initials="x" lastIdx="1" clrIdx="0">
-    <p:extLst>
-      <p:ext uri="{19B8F6BF-5375-455C-9EA6-DF929625EA0E}">
-        <p15:presenceInfo xmlns:p15="http://schemas.microsoft.com/office/powerpoint/2012/main" userId="xxxy" providerId="None"/>
-      </p:ext>
-    </p:extLst>
+    <p:extLst/>
   </p:cmAuthor>
 </p:cmAuthorLst>
 </file>
@@ -217,7 +212,7 @@
           <a:p>
             <a:fld id="{D2A48B96-639E-45A3-A0BA-2464DFDB1FAA}" type="datetimeFigureOut">
               <a:rPr lang="zh-CN" altLang="en-US" smtClean="0"/>
-              <a:t>2016/7/15</a:t>
+              <a:t>2016/12/30</a:t>
             </a:fld>
             <a:endParaRPr lang="zh-CN" altLang="en-US"/>
           </a:p>
@@ -1388,7 +1383,7 @@
           <a:p>
             <a:fld id="{82F288E0-7875-42C4-84C8-98DBBD3BF4D2}" type="datetimeFigureOut">
               <a:rPr lang="zh-CN" altLang="en-US" smtClean="0"/>
-              <a:t>2016/7/15</a:t>
+              <a:t>2016/12/30</a:t>
             </a:fld>
             <a:endParaRPr lang="zh-CN" altLang="en-US"/>
           </a:p>
@@ -1512,7 +1507,7 @@
           </a:ln>
           <a:extLst>
             <a:ext uri="{C572A759-6A51-4108-AA02-DFA0A04FC94B}">
-              <ma14:wrappingTextBoxFlag xmlns:ma14="http://schemas.microsoft.com/office/mac/drawingml/2011/main" xmlns="" val="1"/>
+              <ma14:wrappingTextBoxFlag xmlns:ma14="http://schemas.microsoft.com/office/mac/drawingml/2011/main" val="1"/>
             </a:ext>
           </a:extLst>
         </p:spPr>
@@ -7367,29 +7362,7 @@
                 <a:ea typeface="微软雅黑" panose="020B0503020204020204" pitchFamily="34" charset="-122"/>
                 <a:sym typeface="Helvetica Light"/>
               </a:rPr>
-              <a:t>分钟</a:t>
-            </a:r>
-            <a:r>
-              <a:rPr lang="zh-CN" altLang="en-US" sz="2400" dirty="0" smtClean="0">
-                <a:solidFill>
-                  <a:srgbClr val="FF0000"/>
-                </a:solidFill>
-                <a:latin typeface="微软雅黑" panose="020B0503020204020204" pitchFamily="34" charset="-122"/>
-                <a:ea typeface="微软雅黑" panose="020B0503020204020204" pitchFamily="34" charset="-122"/>
-                <a:sym typeface="Helvetica Light"/>
-              </a:rPr>
-              <a:t>），</a:t>
-            </a:r>
-            <a:r>
-              <a:rPr lang="zh-CN" altLang="en-US" sz="2400" dirty="0" smtClean="0">
-                <a:solidFill>
-                  <a:srgbClr val="FF0000"/>
-                </a:solidFill>
-                <a:latin typeface="微软雅黑" panose="020B0503020204020204" pitchFamily="34" charset="-122"/>
-                <a:ea typeface="微软雅黑" panose="020B0503020204020204" pitchFamily="34" charset="-122"/>
-                <a:sym typeface="Helvetica Light"/>
-              </a:rPr>
-              <a:t>准确率</a:t>
+              <a:t>分钟），准确率</a:t>
             </a:r>
             <a:r>
               <a:rPr lang="en-US" altLang="zh-CN" sz="2400" dirty="0" smtClean="0">
@@ -8367,17 +8340,7 @@
                 <a:latin typeface="Lucida Console" panose="020B0609040504020204" pitchFamily="49" charset="0"/>
                 <a:sym typeface="Helvetica Light"/>
               </a:rPr>
-              <a:t> </a:t>
-            </a:r>
-            <a:r>
-              <a:rPr lang="en-US" altLang="zh-CN" sz="2000" dirty="0" smtClean="0">
-                <a:solidFill>
-                  <a:srgbClr val="000000"/>
-                </a:solidFill>
-                <a:latin typeface="Lucida Console" panose="020B0609040504020204" pitchFamily="49" charset="0"/>
-                <a:sym typeface="Helvetica Light"/>
-              </a:rPr>
-              <a:t>as</a:t>
+              <a:t> as</a:t>
             </a:r>
           </a:p>
           <a:p>
@@ -8862,15 +8825,6 @@
               </a:rPr>
               <a:t>VCF</a:t>
             </a:r>
-            <a:endParaRPr lang="en-US" altLang="zh-CN" sz="3200" dirty="0" smtClean="0">
-              <a:solidFill>
-                <a:srgbClr val="FFFFFF"/>
-              </a:solidFill>
-              <a:latin typeface="Microsoft YaHei"/>
-              <a:ea typeface="Microsoft YaHei"/>
-              <a:cs typeface="Microsoft YaHei"/>
-              <a:sym typeface="Microsoft YaHei"/>
-            </a:endParaRPr>
           </a:p>
           <a:p>
             <a:pPr marL="0" marR="0" indent="0" algn="ctr" defTabSz="241300" rtl="0" fontAlgn="auto" latinLnBrk="1" hangingPunct="0">
@@ -9597,15 +9551,6 @@
               </a:rPr>
               <a:t>分钟</a:t>
             </a:r>
-            <a:endParaRPr lang="zh-CN" altLang="en-US" sz="2000" dirty="0" smtClean="0">
-              <a:solidFill>
-                <a:srgbClr val="FF0000"/>
-              </a:solidFill>
-              <a:latin typeface="Microsoft YaHei"/>
-              <a:ea typeface="Microsoft YaHei"/>
-              <a:cs typeface="Microsoft YaHei"/>
-              <a:sym typeface="Microsoft YaHei"/>
-            </a:endParaRPr>
           </a:p>
         </p:txBody>
       </p:sp>
@@ -9744,15 +9689,6 @@
               </a:rPr>
               <a:t>分钟</a:t>
             </a:r>
-            <a:endParaRPr lang="zh-CN" altLang="en-US" sz="2000" dirty="0" smtClean="0">
-              <a:solidFill>
-                <a:srgbClr val="FF0000"/>
-              </a:solidFill>
-              <a:latin typeface="Microsoft YaHei"/>
-              <a:ea typeface="Microsoft YaHei"/>
-              <a:cs typeface="Microsoft YaHei"/>
-              <a:sym typeface="Microsoft YaHei"/>
-            </a:endParaRPr>
           </a:p>
         </p:txBody>
       </p:sp>
@@ -10604,91 +10540,6 @@
     <p:extLst>
       <p:ext uri="{BB962C8B-B14F-4D97-AF65-F5344CB8AC3E}">
         <p14:creationId xmlns:p14="http://schemas.microsoft.com/office/powerpoint/2010/main" val="448837166"/>
-      </p:ext>
-    </p:extLst>
-  </p:cSld>
-  <p:clrMapOvr>
-    <a:masterClrMapping/>
-  </p:clrMapOvr>
-  <p:timing>
-    <p:tnLst>
-      <p:par>
-        <p:cTn id="1" dur="indefinite" restart="never" nodeType="tmRoot"/>
-      </p:par>
-    </p:tnLst>
-  </p:timing>
-</p:sld>
-</file>
-
-<file path=ppt/slides/slide9.xml><?xml version="1.0" encoding="utf-8"?>
-<p:sld xmlns:a="http://schemas.openxmlformats.org/drawingml/2006/main" xmlns:r="http://schemas.openxmlformats.org/officeDocument/2006/relationships" xmlns:p="http://schemas.openxmlformats.org/presentationml/2006/main">
-  <p:cSld>
-    <p:spTree>
-      <p:nvGrpSpPr>
-        <p:cNvPr id="1" name=""/>
-        <p:cNvGrpSpPr/>
-        <p:nvPr/>
-      </p:nvGrpSpPr>
-      <p:grpSpPr>
-        <a:xfrm>
-          <a:off x="0" y="0"/>
-          <a:ext cx="0" cy="0"/>
-          <a:chOff x="0" y="0"/>
-          <a:chExt cx="0" cy="0"/>
-        </a:xfrm>
-      </p:grpSpPr>
-      <p:sp>
-        <p:nvSpPr>
-          <p:cNvPr id="2" name="标题 1"/>
-          <p:cNvSpPr>
-            <a:spLocks noGrp="1"/>
-          </p:cNvSpPr>
-          <p:nvPr>
-            <p:ph type="title"/>
-          </p:nvPr>
-        </p:nvSpPr>
-        <p:spPr/>
-        <p:txBody>
-          <a:bodyPr/>
-          <a:lstStyle/>
-          <a:p>
-            <a:endParaRPr lang="zh-CN" altLang="en-US" dirty="0"/>
-          </a:p>
-        </p:txBody>
-      </p:sp>
-      <p:sp>
-        <p:nvSpPr>
-          <p:cNvPr id="3" name="内容占位符 2"/>
-          <p:cNvSpPr>
-            <a:spLocks noGrp="1"/>
-          </p:cNvSpPr>
-          <p:nvPr>
-            <p:ph idx="1"/>
-          </p:nvPr>
-        </p:nvSpPr>
-        <p:spPr>
-          <a:xfrm>
-            <a:off x="612632" y="1825624"/>
-            <a:ext cx="10966736" cy="4351338"/>
-          </a:xfrm>
-        </p:spPr>
-        <p:txBody>
-          <a:bodyPr/>
-          <a:lstStyle/>
-          <a:p>
-            <a:pPr>
-              <a:lnSpc>
-                <a:spcPct val="100000"/>
-              </a:lnSpc>
-            </a:pPr>
-            <a:endParaRPr lang="en-US" altLang="zh-CN" dirty="0" smtClean="0"/>
-          </a:p>
-        </p:txBody>
-      </p:sp>
-    </p:spTree>
-    <p:extLst>
-      <p:ext uri="{BB962C8B-B14F-4D97-AF65-F5344CB8AC3E}">
-        <p14:creationId xmlns:p14="http://schemas.microsoft.com/office/powerpoint/2010/main" val="1839139250"/>
       </p:ext>
     </p:extLst>
   </p:cSld>
